--- a/Slides/Lesson 6.5 Multi-Way Trees.pptx
+++ b/Slides/Lesson 6.5 Multi-Way Trees.pptx
@@ -242,7 +242,7 @@
           <a:p>
             <a:fld id="{1AC50D25-69DA-4251-A3B1-10895C6A89D6}" type="datetimeFigureOut">
               <a:rPr lang="en-US" smtClean="0"/>
-              <a:t>9/6/2016</a:t>
+              <a:t>9/26/2016</a:t>
             </a:fld>
             <a:endParaRPr lang="en-US"/>
           </a:p>
@@ -1864,7 +1864,7 @@
           <a:p>
             <a:fld id="{2F1F79F5-7BEC-496A-AFC7-876E38F64D71}" type="datetime1">
               <a:rPr lang="en-US" smtClean="0"/>
-              <a:t>9/6/2016</a:t>
+              <a:t>9/26/2016</a:t>
             </a:fld>
             <a:endParaRPr lang="en-US"/>
           </a:p>
@@ -1959,7 +1959,7 @@
           <a:p>
             <a:fld id="{0A05703A-7669-4FEA-9056-25299B4D29D4}" type="datetime1">
               <a:rPr lang="en-US" smtClean="0"/>
-              <a:t>9/6/2016</a:t>
+              <a:t>9/26/2016</a:t>
             </a:fld>
             <a:endParaRPr lang="en-US"/>
           </a:p>
@@ -2234,7 +2234,7 @@
           <a:p>
             <a:fld id="{6E5077B5-BB57-49DB-88CA-226A139E5C01}" type="datetime1">
               <a:rPr lang="en-US" smtClean="0"/>
-              <a:t>9/6/2016</a:t>
+              <a:t>9/26/2016</a:t>
             </a:fld>
             <a:endParaRPr lang="en-US"/>
           </a:p>
@@ -2486,7 +2486,7 @@
           <a:p>
             <a:fld id="{C48D9447-CBD6-49A1-89FD-8512A8CF8999}" type="datetime1">
               <a:rPr lang="en-US" smtClean="0"/>
-              <a:t>9/6/2016</a:t>
+              <a:t>9/26/2016</a:t>
             </a:fld>
             <a:endParaRPr lang="en-US"/>
           </a:p>
@@ -2654,7 +2654,7 @@
           <a:p>
             <a:fld id="{A3639A2A-823D-48B7-9ACE-7FAF42870BA9}" type="datetime1">
               <a:rPr lang="en-US" smtClean="0"/>
-              <a:t>9/6/2016</a:t>
+              <a:t>9/26/2016</a:t>
             </a:fld>
             <a:endParaRPr lang="en-US"/>
           </a:p>
@@ -2832,7 +2832,7 @@
           <a:p>
             <a:fld id="{ED1B6996-82E9-463C-972C-7B56056E426C}" type="datetime1">
               <a:rPr lang="en-US" smtClean="0"/>
-              <a:t>9/6/2016</a:t>
+              <a:t>9/26/2016</a:t>
             </a:fld>
             <a:endParaRPr lang="en-US"/>
           </a:p>
@@ -3006,7 +3006,7 @@
           <a:p>
             <a:fld id="{E22ED4DA-448D-4BB1-B935-CC112220207B}" type="datetime1">
               <a:rPr lang="en-US" smtClean="0"/>
-              <a:t>9/6/2016</a:t>
+              <a:t>9/26/2016</a:t>
             </a:fld>
             <a:endParaRPr lang="en-US"/>
           </a:p>
@@ -3179,7 +3179,7 @@
           <a:p>
             <a:fld id="{E22ED4DA-448D-4BB1-B935-CC112220207B}" type="datetime1">
               <a:rPr lang="en-US" smtClean="0"/>
-              <a:t>9/6/2016</a:t>
+              <a:t>9/26/2016</a:t>
             </a:fld>
             <a:endParaRPr lang="en-US"/>
           </a:p>
@@ -3439,7 +3439,7 @@
           <a:p>
             <a:fld id="{FF5D65A6-AB94-4435-B0B7-3743215FA46C}" type="datetime1">
               <a:rPr lang="en-US" smtClean="0"/>
-              <a:t>9/6/2016</a:t>
+              <a:t>9/26/2016</a:t>
             </a:fld>
             <a:endParaRPr lang="en-US"/>
           </a:p>
@@ -3615,7 +3615,7 @@
           <a:p>
             <a:fld id="{FF5D65A6-AB94-4435-B0B7-3743215FA46C}" type="datetime1">
               <a:rPr lang="en-US" smtClean="0"/>
-              <a:t>9/6/2016</a:t>
+              <a:t>9/26/2016</a:t>
             </a:fld>
             <a:endParaRPr lang="en-US"/>
           </a:p>
@@ -3909,7 +3909,7 @@
           <a:p>
             <a:fld id="{7C193DC4-6EF0-48C9-B29C-616106A645E1}" type="datetime1">
               <a:rPr lang="en-US" smtClean="0"/>
-              <a:t>9/6/2016</a:t>
+              <a:t>9/26/2016</a:t>
             </a:fld>
             <a:endParaRPr lang="en-US"/>
           </a:p>
@@ -4194,7 +4194,7 @@
           <a:p>
             <a:fld id="{5D1846AD-9252-4647-9435-4C2AC365653A}" type="datetime1">
               <a:rPr lang="en-US" smtClean="0"/>
-              <a:t>9/6/2016</a:t>
+              <a:t>9/26/2016</a:t>
             </a:fld>
             <a:endParaRPr lang="en-US"/>
           </a:p>
@@ -4613,7 +4613,7 @@
           <a:p>
             <a:fld id="{CE56DC10-3561-4063-A6AF-C1CC7A41040A}" type="datetime1">
               <a:rPr lang="en-US" smtClean="0"/>
-              <a:t>9/6/2016</a:t>
+              <a:t>9/26/2016</a:t>
             </a:fld>
             <a:endParaRPr lang="en-US"/>
           </a:p>
@@ -4730,7 +4730,7 @@
           <a:p>
             <a:fld id="{2F7B77F5-1464-4F6B-92A8-64FC8A508293}" type="datetime1">
               <a:rPr lang="en-US" smtClean="0"/>
-              <a:t>9/6/2016</a:t>
+              <a:t>9/26/2016</a:t>
             </a:fld>
             <a:endParaRPr lang="en-US"/>
           </a:p>
@@ -4953,7 +4953,7 @@
           <a:p>
             <a:fld id="{02B3F677-983B-48DB-ADFD-63FE6CBC7FB2}" type="datetime1">
               <a:rPr lang="en-US" smtClean="0"/>
-              <a:t>9/6/2016</a:t>
+              <a:t>9/26/2016</a:t>
             </a:fld>
             <a:endParaRPr lang="en-US"/>
           </a:p>
@@ -14745,7 +14745,7 @@
           <a:p>
             <a:r>
               <a:rPr lang="en-US" dirty="0"/>
-              <a:t>Study the file 06-7-descendants.rkt in the Examples folder</a:t>
+              <a:t>Study the file 06-5-descendants.rkt in the Examples folder</a:t>
             </a:r>
           </a:p>
           <a:p>
@@ -14757,13 +14757,11 @@
           <a:p>
             <a:r>
               <a:rPr lang="en-US" dirty="0"/>
-              <a:t>Do </a:t>
-            </a:r>
-            <a:r>
-              <a:rPr lang="en-US" dirty="0">
-                <a:hlinkClick r:id="rId2" action="ppaction://hlinkfile"/>
-              </a:rPr>
-              <a:t>Guided Practice 6.6</a:t>
+              <a:t>Do Guided </a:t>
+            </a:r>
+            <a:r>
+              <a:rPr lang="en-US"/>
+              <a:t>Practice 6.5</a:t>
             </a:r>
             <a:endParaRPr lang="en-US" dirty="0"/>
           </a:p>
